--- a/ppt/学习总结-20221128.pptx
+++ b/ppt/学习总结-20221128.pptx
@@ -5,14 +5,13 @@
     <p:sldMasterId id="2147483677" r:id="rId1"/>
   </p:sldMasterIdLst>
   <p:notesMasterIdLst>
-    <p:notesMasterId r:id="rId7"/>
+    <p:notesMasterId r:id="rId6"/>
   </p:notesMasterIdLst>
   <p:sldIdLst>
     <p:sldId id="356" r:id="rId2"/>
     <p:sldId id="357" r:id="rId3"/>
-    <p:sldId id="361" r:id="rId4"/>
-    <p:sldId id="362" r:id="rId5"/>
-    <p:sldId id="360" r:id="rId6"/>
+    <p:sldId id="362" r:id="rId4"/>
+    <p:sldId id="360" r:id="rId5"/>
   </p:sldIdLst>
   <p:sldSz cx="12192000" cy="6858000"/>
   <p:notesSz cx="6858000" cy="9144000"/>
@@ -688,7 +687,7 @@
           <a:p>
             <a:fld id="{48A87A34-81AB-432B-8DAE-1953F412C126}" type="datetimeFigureOut">
               <a:rPr lang="en-US" dirty="0"/>
-              <a:t>11/20/2022</a:t>
+              <a:t>11/28/2022</a:t>
             </a:fld>
             <a:endParaRPr lang="en-US" dirty="0"/>
           </a:p>
@@ -896,7 +895,7 @@
           <a:p>
             <a:fld id="{48A87A34-81AB-432B-8DAE-1953F412C126}" type="datetimeFigureOut">
               <a:rPr lang="en-US" dirty="0"/>
-              <a:t>11/20/2022</a:t>
+              <a:t>11/28/2022</a:t>
             </a:fld>
             <a:endParaRPr lang="en-US" dirty="0"/>
           </a:p>
@@ -1106,7 +1105,7 @@
           <a:p>
             <a:fld id="{48A87A34-81AB-432B-8DAE-1953F412C126}" type="datetimeFigureOut">
               <a:rPr lang="en-US" dirty="0"/>
-              <a:t>11/20/2022</a:t>
+              <a:t>11/28/2022</a:t>
             </a:fld>
             <a:endParaRPr lang="en-US" dirty="0"/>
           </a:p>
@@ -1304,7 +1303,7 @@
           <a:p>
             <a:fld id="{48A87A34-81AB-432B-8DAE-1953F412C126}" type="datetimeFigureOut">
               <a:rPr lang="en-US" dirty="0"/>
-              <a:t>11/20/2022</a:t>
+              <a:t>11/28/2022</a:t>
             </a:fld>
             <a:endParaRPr lang="en-US" dirty="0"/>
           </a:p>
@@ -1580,7 +1579,7 @@
           <a:p>
             <a:fld id="{48A87A34-81AB-432B-8DAE-1953F412C126}" type="datetimeFigureOut">
               <a:rPr lang="en-US" dirty="0"/>
-              <a:t>11/20/2022</a:t>
+              <a:t>11/28/2022</a:t>
             </a:fld>
             <a:endParaRPr lang="en-US" dirty="0"/>
           </a:p>
@@ -1845,7 +1844,7 @@
           <a:p>
             <a:fld id="{48A87A34-81AB-432B-8DAE-1953F412C126}" type="datetimeFigureOut">
               <a:rPr lang="en-US" dirty="0"/>
-              <a:t>11/20/2022</a:t>
+              <a:t>11/28/2022</a:t>
             </a:fld>
             <a:endParaRPr lang="en-US" dirty="0"/>
           </a:p>
@@ -2258,7 +2257,7 @@
           <a:p>
             <a:fld id="{48A87A34-81AB-432B-8DAE-1953F412C126}" type="datetimeFigureOut">
               <a:rPr lang="en-US" dirty="0"/>
-              <a:t>11/20/2022</a:t>
+              <a:t>11/28/2022</a:t>
             </a:fld>
             <a:endParaRPr lang="en-US" dirty="0"/>
           </a:p>
@@ -2404,7 +2403,7 @@
           <a:p>
             <a:fld id="{48A87A34-81AB-432B-8DAE-1953F412C126}" type="datetimeFigureOut">
               <a:rPr lang="en-US" dirty="0"/>
-              <a:t>11/20/2022</a:t>
+              <a:t>11/28/2022</a:t>
             </a:fld>
             <a:endParaRPr lang="en-US" dirty="0"/>
           </a:p>
@@ -2527,7 +2526,7 @@
           <a:p>
             <a:fld id="{48A87A34-81AB-432B-8DAE-1953F412C126}" type="datetimeFigureOut">
               <a:rPr lang="en-US" dirty="0"/>
-              <a:t>11/20/2022</a:t>
+              <a:t>11/28/2022</a:t>
             </a:fld>
             <a:endParaRPr lang="en-US" dirty="0"/>
           </a:p>
@@ -2773,7 +2772,7 @@
           <a:p>
             <a:fld id="{48A87A34-81AB-432B-8DAE-1953F412C126}" type="datetimeFigureOut">
               <a:rPr lang="en-US" dirty="0"/>
-              <a:t>11/20/2022</a:t>
+              <a:t>11/28/2022</a:t>
             </a:fld>
             <a:endParaRPr lang="en-US" dirty="0"/>
           </a:p>
@@ -3213,7 +3212,7 @@
           <a:p>
             <a:fld id="{48A87A34-81AB-432B-8DAE-1953F412C126}" type="datetimeFigureOut">
               <a:rPr lang="en-US" dirty="0"/>
-              <a:t>11/20/2022</a:t>
+              <a:t>11/28/2022</a:t>
             </a:fld>
             <a:endParaRPr lang="en-US" dirty="0"/>
           </a:p>
@@ -3532,7 +3531,7 @@
           <a:p>
             <a:fld id="{48A87A34-81AB-432B-8DAE-1953F412C126}" type="datetimeFigureOut">
               <a:rPr lang="en-US" dirty="0"/>
-              <a:t>11/20/2022</a:t>
+              <a:t>11/28/2022</a:t>
             </a:fld>
             <a:endParaRPr lang="en-US" dirty="0"/>
           </a:p>
@@ -4070,7 +4069,7 @@
             <a:pPr algn="r"/>
             <a:r>
               <a:rPr lang="en-US" altLang="zh-CN" dirty="0"/>
-              <a:t>2022.11.20</a:t>
+              <a:t>2022.11.28</a:t>
             </a:r>
             <a:endParaRPr lang="zh-CN" altLang="en-US" dirty="0"/>
           </a:p>
@@ -4155,37 +4154,22 @@
           <a:p>
             <a:r>
               <a:rPr lang="zh-CN" altLang="en-US" dirty="0"/>
-              <a:t>基因编辑相关综述</a:t>
+              <a:t>使用基因表达和基于</a:t>
             </a:r>
             <a:r>
               <a:rPr lang="en-US" altLang="zh-CN" dirty="0"/>
-              <a:t>	</a:t>
-            </a:r>
-          </a:p>
-          <a:p>
-            <a:pPr lvl="1"/>
+              <a:t>KL</a:t>
+            </a:r>
             <a:r>
               <a:rPr lang="zh-CN" altLang="en-US" dirty="0"/>
-              <a:t>了解基因编辑技术的发展史</a:t>
+              <a:t>散度基因选择的深度学习预测肺癌</a:t>
             </a:r>
             <a:endParaRPr lang="en-US" altLang="zh-CN" dirty="0"/>
           </a:p>
           <a:p>
-            <a:pPr lvl="1"/>
-            <a:r>
-              <a:rPr lang="en-US" altLang="zh-CN" dirty="0"/>
-              <a:t>CRISPR-Cas9</a:t>
-            </a:r>
             <a:r>
               <a:rPr lang="zh-CN" altLang="en-US" dirty="0"/>
-              <a:t>技术</a:t>
-            </a:r>
-            <a:endParaRPr lang="en-US" altLang="zh-CN" dirty="0"/>
-          </a:p>
-          <a:p>
-            <a:r>
-              <a:rPr lang="zh-CN" altLang="en-US" dirty="0"/>
-              <a:t>图神经网络学习</a:t>
+              <a:t>英语四六级</a:t>
             </a:r>
             <a:endParaRPr lang="en-US" altLang="zh-CN" dirty="0"/>
           </a:p>
@@ -4221,7 +4205,7 @@
           <p:cNvPr id="2" name="标题 1">
             <a:extLst>
               <a:ext uri="{FF2B5EF4-FFF2-40B4-BE49-F238E27FC236}">
-                <a16:creationId xmlns:a16="http://schemas.microsoft.com/office/drawing/2014/main" id="{3327BC33-CB8B-4916-8F6E-E856E102463E}"/>
+                <a16:creationId xmlns:a16="http://schemas.microsoft.com/office/drawing/2014/main" id="{4269ADE0-FAF5-404B-B2BD-0363199FA125}"/>
               </a:ext>
             </a:extLst>
           </p:cNvPr>
@@ -4234,17 +4218,27 @@
         </p:nvSpPr>
         <p:spPr/>
         <p:txBody>
-          <a:bodyPr/>
-          <a:lstStyle/>
-          <a:p>
+          <a:bodyPr>
+            <a:normAutofit fontScale="90000"/>
+          </a:bodyPr>
+          <a:lstStyle/>
+          <a:p>
+            <a:r>
+              <a:rPr lang="zh-CN" altLang="en-US" dirty="0"/>
+              <a:t>使用基因表达和基于</a:t>
+            </a:r>
             <a:r>
               <a:rPr lang="en-US" altLang="zh-CN" dirty="0"/>
-              <a:t>GNN</a:t>
+              <a:t>KL</a:t>
             </a:r>
             <a:r>
               <a:rPr lang="zh-CN" altLang="en-US" dirty="0"/>
-              <a:t>架构</a:t>
-            </a:r>
+              <a:t>散度基因选择的深度学习预测肺癌</a:t>
+            </a:r>
+            <a:br>
+              <a:rPr lang="en-US" altLang="zh-CN" dirty="0"/>
+            </a:br>
+            <a:endParaRPr lang="zh-CN" altLang="en-US" dirty="0"/>
           </a:p>
         </p:txBody>
       </p:sp>
@@ -4253,7 +4247,7 @@
           <p:cNvPr id="3" name="内容占位符 2">
             <a:extLst>
               <a:ext uri="{FF2B5EF4-FFF2-40B4-BE49-F238E27FC236}">
-                <a16:creationId xmlns:a16="http://schemas.microsoft.com/office/drawing/2014/main" id="{6E1FFE16-87D5-407F-894C-A4122988FBCC}"/>
+                <a16:creationId xmlns:a16="http://schemas.microsoft.com/office/drawing/2014/main" id="{039ED58B-4EC2-4CEE-8DF7-2F7FCB96AD51}"/>
               </a:ext>
             </a:extLst>
           </p:cNvPr>
@@ -4266,8 +4260,8 @@
         </p:nvSpPr>
         <p:spPr>
           <a:xfrm>
-            <a:off x="1451577" y="4542363"/>
-            <a:ext cx="9603275" cy="3450613"/>
+            <a:off x="6673285" y="1950007"/>
+            <a:ext cx="4931173" cy="3450613"/>
           </a:xfrm>
         </p:spPr>
         <p:txBody>
@@ -4276,33 +4270,49 @@
           <a:p>
             <a:r>
               <a:rPr lang="zh-CN" altLang="en-US" dirty="0"/>
-              <a:t>最简单的</a:t>
+              <a:t>使用</a:t>
             </a:r>
             <a:r>
               <a:rPr lang="en-US" altLang="zh-CN" dirty="0"/>
-              <a:t>GNN</a:t>
+              <a:t>KL</a:t>
             </a:r>
             <a:r>
               <a:rPr lang="zh-CN" altLang="en-US" dirty="0"/>
-              <a:t>架构的缺点：三个</a:t>
+              <a:t>散度来提取与疾病相关的基因</a:t>
+            </a:r>
+            <a:endParaRPr lang="en-US" altLang="zh-CN" dirty="0"/>
+          </a:p>
+          <a:p>
+            <a:r>
+              <a:rPr lang="zh-CN" altLang="en-US" dirty="0"/>
+              <a:t>使用</a:t>
             </a:r>
             <a:r>
               <a:rPr lang="en-US" altLang="zh-CN" dirty="0"/>
-              <a:t>MLP</a:t>
+              <a:t>focal loss</a:t>
             </a:r>
             <a:r>
               <a:rPr lang="zh-CN" altLang="en-US" dirty="0"/>
-              <a:t>相互独立，没有用到图的连接性，只在聚集操作时会有联系</a:t>
-            </a:r>
+              <a:t>作为</a:t>
+            </a:r>
+            <a:r>
+              <a:rPr lang="en-US" altLang="zh-CN" dirty="0"/>
+              <a:t>DNN</a:t>
+            </a:r>
+            <a:r>
+              <a:rPr lang="zh-CN" altLang="en-US" dirty="0"/>
+              <a:t>的损失函数来处理数据不平衡的问题</a:t>
+            </a:r>
+            <a:endParaRPr lang="en-US" altLang="zh-CN" dirty="0"/>
           </a:p>
         </p:txBody>
       </p:sp>
       <p:pic>
         <p:nvPicPr>
-          <p:cNvPr id="4" name="图片 3">
+          <p:cNvPr id="5" name="图片 4">
             <a:extLst>
               <a:ext uri="{FF2B5EF4-FFF2-40B4-BE49-F238E27FC236}">
-                <a16:creationId xmlns:a16="http://schemas.microsoft.com/office/drawing/2014/main" id="{ABFA2AF9-6932-4B79-B056-E669E0D25A75}"/>
+                <a16:creationId xmlns:a16="http://schemas.microsoft.com/office/drawing/2014/main" id="{159BE767-734C-4E97-9140-9A9D1FB9ABCC}"/>
               </a:ext>
             </a:extLst>
           </p:cNvPr>
@@ -4319,8 +4329,8 @@
         </p:blipFill>
         <p:spPr>
           <a:xfrm>
-            <a:off x="1451578" y="1913176"/>
-            <a:ext cx="9603275" cy="2569765"/>
+            <a:off x="1451579" y="1905237"/>
+            <a:ext cx="5045474" cy="4952763"/>
           </a:xfrm>
           <a:prstGeom prst="rect">
             <a:avLst/>
@@ -4330,7 +4340,7 @@
     </p:spTree>
     <p:extLst>
       <p:ext uri="{BB962C8B-B14F-4D97-AF65-F5344CB8AC3E}">
-        <p14:creationId xmlns:p14="http://schemas.microsoft.com/office/powerpoint/2010/main" val="3841291465"/>
+        <p14:creationId xmlns:p14="http://schemas.microsoft.com/office/powerpoint/2010/main" val="4289915765"/>
       </p:ext>
     </p:extLst>
   </p:cSld>
@@ -4359,207 +4369,6 @@
       </p:grpSpPr>
       <p:sp>
         <p:nvSpPr>
-          <p:cNvPr id="2" name="标题 1">
-            <a:extLst>
-              <a:ext uri="{FF2B5EF4-FFF2-40B4-BE49-F238E27FC236}">
-                <a16:creationId xmlns:a16="http://schemas.microsoft.com/office/drawing/2014/main" id="{CF676AE1-93BD-4537-A47E-303668109933}"/>
-              </a:ext>
-            </a:extLst>
-          </p:cNvPr>
-          <p:cNvSpPr>
-            <a:spLocks noGrp="1"/>
-          </p:cNvSpPr>
-          <p:nvPr>
-            <p:ph type="title"/>
-          </p:nvPr>
-        </p:nvSpPr>
-        <p:spPr/>
-        <p:txBody>
-          <a:bodyPr/>
-          <a:lstStyle/>
-          <a:p>
-            <a:r>
-              <a:rPr lang="zh-CN" altLang="en-US" dirty="0"/>
-              <a:t>信息传递</a:t>
-            </a:r>
-          </a:p>
-        </p:txBody>
-      </p:sp>
-      <p:sp>
-        <p:nvSpPr>
-          <p:cNvPr id="3" name="内容占位符 2">
-            <a:extLst>
-              <a:ext uri="{FF2B5EF4-FFF2-40B4-BE49-F238E27FC236}">
-                <a16:creationId xmlns:a16="http://schemas.microsoft.com/office/drawing/2014/main" id="{0C8710F7-4132-4E3A-BFC9-53BE69FA038F}"/>
-              </a:ext>
-            </a:extLst>
-          </p:cNvPr>
-          <p:cNvSpPr>
-            <a:spLocks noGrp="1"/>
-          </p:cNvSpPr>
-          <p:nvPr>
-            <p:ph idx="1"/>
-          </p:nvPr>
-        </p:nvSpPr>
-        <p:spPr>
-          <a:xfrm>
-            <a:off x="1451579" y="5540985"/>
-            <a:ext cx="9603275" cy="3450613"/>
-          </a:xfrm>
-        </p:spPr>
-        <p:txBody>
-          <a:bodyPr/>
-          <a:lstStyle/>
-          <a:p>
-            <a:endParaRPr lang="zh-CN" altLang="en-US" dirty="0"/>
-          </a:p>
-        </p:txBody>
-      </p:sp>
-      <p:pic>
-        <p:nvPicPr>
-          <p:cNvPr id="4" name="图片 3">
-            <a:extLst>
-              <a:ext uri="{FF2B5EF4-FFF2-40B4-BE49-F238E27FC236}">
-                <a16:creationId xmlns:a16="http://schemas.microsoft.com/office/drawing/2014/main" id="{F4E6E569-DE0D-43CD-9964-BA9F055B114E}"/>
-              </a:ext>
-            </a:extLst>
-          </p:cNvPr>
-          <p:cNvPicPr>
-            <a:picLocks noChangeAspect="1"/>
-          </p:cNvPicPr>
-          <p:nvPr/>
-        </p:nvPicPr>
-        <p:blipFill>
-          <a:blip r:embed="rId2"/>
-          <a:stretch>
-            <a:fillRect/>
-          </a:stretch>
-        </p:blipFill>
-        <p:spPr>
-          <a:xfrm>
-            <a:off x="1451578" y="1965045"/>
-            <a:ext cx="8928239" cy="3445269"/>
-          </a:xfrm>
-          <a:prstGeom prst="rect">
-            <a:avLst/>
-          </a:prstGeom>
-        </p:spPr>
-      </p:pic>
-    </p:spTree>
-    <p:extLst>
-      <p:ext uri="{BB962C8B-B14F-4D97-AF65-F5344CB8AC3E}">
-        <p14:creationId xmlns:p14="http://schemas.microsoft.com/office/powerpoint/2010/main" val="626091006"/>
-      </p:ext>
-    </p:extLst>
-  </p:cSld>
-  <p:clrMapOvr>
-    <a:masterClrMapping/>
-  </p:clrMapOvr>
-  <p:timing>
-    <p:tnLst>
-      <p:par>
-        <p:cTn id="1" dur="indefinite" restart="never" nodeType="tmRoot">
-          <p:childTnLst>
-            <p:seq concurrent="1" nextAc="seek">
-              <p:cTn id="2" dur="indefinite" nodeType="mainSeq">
-                <p:childTnLst>
-                  <p:par>
-                    <p:cTn id="3" fill="hold">
-                      <p:stCondLst>
-                        <p:cond delay="indefinite"/>
-                      </p:stCondLst>
-                      <p:childTnLst>
-                        <p:par>
-                          <p:cTn id="4" fill="hold">
-                            <p:stCondLst>
-                              <p:cond delay="0"/>
-                            </p:stCondLst>
-                            <p:childTnLst>
-                              <p:par>
-                                <p:cTn id="5" presetID="10" presetClass="entr" presetSubtype="0" fill="hold" nodeType="clickEffect">
-                                  <p:stCondLst>
-                                    <p:cond delay="0"/>
-                                  </p:stCondLst>
-                                  <p:childTnLst>
-                                    <p:set>
-                                      <p:cBhvr>
-                                        <p:cTn id="6" dur="1" fill="hold">
-                                          <p:stCondLst>
-                                            <p:cond delay="0"/>
-                                          </p:stCondLst>
-                                        </p:cTn>
-                                        <p:tgtEl>
-                                          <p:spTgt spid="4"/>
-                                        </p:tgtEl>
-                                        <p:attrNameLst>
-                                          <p:attrName>style.visibility</p:attrName>
-                                        </p:attrNameLst>
-                                      </p:cBhvr>
-                                      <p:to>
-                                        <p:strVal val="visible"/>
-                                      </p:to>
-                                    </p:set>
-                                    <p:animEffect transition="in" filter="fade">
-                                      <p:cBhvr>
-                                        <p:cTn id="7" dur="500"/>
-                                        <p:tgtEl>
-                                          <p:spTgt spid="4"/>
-                                        </p:tgtEl>
-                                      </p:cBhvr>
-                                    </p:animEffect>
-                                  </p:childTnLst>
-                                </p:cTn>
-                              </p:par>
-                            </p:childTnLst>
-                          </p:cTn>
-                        </p:par>
-                      </p:childTnLst>
-                    </p:cTn>
-                  </p:par>
-                </p:childTnLst>
-              </p:cTn>
-              <p:prevCondLst>
-                <p:cond evt="onPrev" delay="0">
-                  <p:tgtEl>
-                    <p:sldTgt/>
-                  </p:tgtEl>
-                </p:cond>
-              </p:prevCondLst>
-              <p:nextCondLst>
-                <p:cond evt="onNext" delay="0">
-                  <p:tgtEl>
-                    <p:sldTgt/>
-                  </p:tgtEl>
-                </p:cond>
-              </p:nextCondLst>
-            </p:seq>
-          </p:childTnLst>
-        </p:cTn>
-      </p:par>
-    </p:tnLst>
-  </p:timing>
-</p:sld>
-</file>
-
-<file path=ppt/slides/slide5.xml><?xml version="1.0" encoding="utf-8"?>
-<p:sld xmlns:a="http://schemas.openxmlformats.org/drawingml/2006/main" xmlns:r="http://schemas.openxmlformats.org/officeDocument/2006/relationships" xmlns:p="http://schemas.openxmlformats.org/presentationml/2006/main">
-  <p:cSld>
-    <p:spTree>
-      <p:nvGrpSpPr>
-        <p:cNvPr id="1" name=""/>
-        <p:cNvGrpSpPr/>
-        <p:nvPr/>
-      </p:nvGrpSpPr>
-      <p:grpSpPr>
-        <a:xfrm>
-          <a:off x="0" y="0"/>
-          <a:ext cx="0" cy="0"/>
-          <a:chOff x="0" y="0"/>
-          <a:chExt cx="0" cy="0"/>
-        </a:xfrm>
-      </p:grpSpPr>
-      <p:sp>
-        <p:nvSpPr>
           <p:cNvPr id="1048600" name="标题 1"/>
           <p:cNvSpPr>
             <a:spLocks noGrp="1"/>
@@ -4602,12 +4411,19 @@
               <a:t>1. </a:t>
             </a:r>
             <a:r>
-              <a:rPr lang="zh-CN" altLang="zh-CN"/>
+              <a:rPr lang="zh-CN" altLang="zh-CN" dirty="0"/>
               <a:t>看论文</a:t>
             </a:r>
-            <a:r>
-              <a:rPr lang="zh-CN" altLang="en-US"/>
-              <a:t>（基因编辑相关）</a:t>
+            <a:endParaRPr lang="en-US" altLang="zh-CN" dirty="0"/>
+          </a:p>
+          <a:p>
+            <a:r>
+              <a:rPr lang="en-US" altLang="zh-CN" dirty="0"/>
+              <a:t>2. </a:t>
+            </a:r>
+            <a:r>
+              <a:rPr lang="zh-CN" altLang="en-US" dirty="0"/>
+              <a:t>四六级学习</a:t>
             </a:r>
             <a:endParaRPr lang="en-US" altLang="zh-CN" dirty="0"/>
           </a:p>
